--- a/스토리보드.pptx
+++ b/스토리보드.pptx
@@ -334,7 +334,7 @@
           <a:p>
             <a:fld id="{5637785F-87B5-4171-B922-ABA747451FCE}" type="datetimeFigureOut">
               <a:rPr lang="ko-KR" altLang="en-US" smtClean="0"/>
-              <a:t>2020-04-24</a:t>
+              <a:t>2020-04-27</a:t>
             </a:fld>
             <a:endParaRPr lang="ko-KR" altLang="en-US"/>
           </a:p>
@@ -504,7 +504,7 @@
           <a:p>
             <a:fld id="{5637785F-87B5-4171-B922-ABA747451FCE}" type="datetimeFigureOut">
               <a:rPr lang="ko-KR" altLang="en-US" smtClean="0"/>
-              <a:t>2020-04-24</a:t>
+              <a:t>2020-04-27</a:t>
             </a:fld>
             <a:endParaRPr lang="ko-KR" altLang="en-US"/>
           </a:p>
@@ -684,7 +684,7 @@
           <a:p>
             <a:fld id="{5637785F-87B5-4171-B922-ABA747451FCE}" type="datetimeFigureOut">
               <a:rPr lang="ko-KR" altLang="en-US" smtClean="0"/>
-              <a:t>2020-04-24</a:t>
+              <a:t>2020-04-27</a:t>
             </a:fld>
             <a:endParaRPr lang="ko-KR" altLang="en-US"/>
           </a:p>
@@ -854,7 +854,7 @@
           <a:p>
             <a:fld id="{5637785F-87B5-4171-B922-ABA747451FCE}" type="datetimeFigureOut">
               <a:rPr lang="ko-KR" altLang="en-US" smtClean="0"/>
-              <a:t>2020-04-24</a:t>
+              <a:t>2020-04-27</a:t>
             </a:fld>
             <a:endParaRPr lang="ko-KR" altLang="en-US"/>
           </a:p>
@@ -1098,7 +1098,7 @@
           <a:p>
             <a:fld id="{5637785F-87B5-4171-B922-ABA747451FCE}" type="datetimeFigureOut">
               <a:rPr lang="ko-KR" altLang="en-US" smtClean="0"/>
-              <a:t>2020-04-24</a:t>
+              <a:t>2020-04-27</a:t>
             </a:fld>
             <a:endParaRPr lang="ko-KR" altLang="en-US"/>
           </a:p>
@@ -1330,7 +1330,7 @@
           <a:p>
             <a:fld id="{5637785F-87B5-4171-B922-ABA747451FCE}" type="datetimeFigureOut">
               <a:rPr lang="ko-KR" altLang="en-US" smtClean="0"/>
-              <a:t>2020-04-24</a:t>
+              <a:t>2020-04-27</a:t>
             </a:fld>
             <a:endParaRPr lang="ko-KR" altLang="en-US"/>
           </a:p>
@@ -1697,7 +1697,7 @@
           <a:p>
             <a:fld id="{5637785F-87B5-4171-B922-ABA747451FCE}" type="datetimeFigureOut">
               <a:rPr lang="ko-KR" altLang="en-US" smtClean="0"/>
-              <a:t>2020-04-24</a:t>
+              <a:t>2020-04-27</a:t>
             </a:fld>
             <a:endParaRPr lang="ko-KR" altLang="en-US"/>
           </a:p>
@@ -1815,7 +1815,7 @@
           <a:p>
             <a:fld id="{5637785F-87B5-4171-B922-ABA747451FCE}" type="datetimeFigureOut">
               <a:rPr lang="ko-KR" altLang="en-US" smtClean="0"/>
-              <a:t>2020-04-24</a:t>
+              <a:t>2020-04-27</a:t>
             </a:fld>
             <a:endParaRPr lang="ko-KR" altLang="en-US"/>
           </a:p>
@@ -1910,7 +1910,7 @@
           <a:p>
             <a:fld id="{5637785F-87B5-4171-B922-ABA747451FCE}" type="datetimeFigureOut">
               <a:rPr lang="ko-KR" altLang="en-US" smtClean="0"/>
-              <a:t>2020-04-24</a:t>
+              <a:t>2020-04-27</a:t>
             </a:fld>
             <a:endParaRPr lang="ko-KR" altLang="en-US"/>
           </a:p>
@@ -2187,7 +2187,7 @@
           <a:p>
             <a:fld id="{5637785F-87B5-4171-B922-ABA747451FCE}" type="datetimeFigureOut">
               <a:rPr lang="ko-KR" altLang="en-US" smtClean="0"/>
-              <a:t>2020-04-24</a:t>
+              <a:t>2020-04-27</a:t>
             </a:fld>
             <a:endParaRPr lang="ko-KR" altLang="en-US"/>
           </a:p>
@@ -2444,7 +2444,7 @@
           <a:p>
             <a:fld id="{5637785F-87B5-4171-B922-ABA747451FCE}" type="datetimeFigureOut">
               <a:rPr lang="ko-KR" altLang="en-US" smtClean="0"/>
-              <a:t>2020-04-24</a:t>
+              <a:t>2020-04-27</a:t>
             </a:fld>
             <a:endParaRPr lang="ko-KR" altLang="en-US"/>
           </a:p>
@@ -2657,7 +2657,7 @@
           <a:p>
             <a:fld id="{5637785F-87B5-4171-B922-ABA747451FCE}" type="datetimeFigureOut">
               <a:rPr lang="ko-KR" altLang="en-US" smtClean="0"/>
-              <a:t>2020-04-24</a:t>
+              <a:t>2020-04-27</a:t>
             </a:fld>
             <a:endParaRPr lang="ko-KR" altLang="en-US"/>
           </a:p>
@@ -6372,326 +6372,6 @@
       </p:sp>
       <p:sp>
         <p:nvSpPr>
-          <p:cNvPr id="47" name="타원 46">
-            <a:extLst>
-              <a:ext uri="{FF2B5EF4-FFF2-40B4-BE49-F238E27FC236}">
-                <a16:creationId xmlns:a16="http://schemas.microsoft.com/office/drawing/2014/main" id="{D83AF9E2-7541-4AF9-A396-A42B7DD3FD45}"/>
-              </a:ext>
-            </a:extLst>
-          </p:cNvPr>
-          <p:cNvSpPr/>
-          <p:nvPr/>
-        </p:nvSpPr>
-        <p:spPr>
-          <a:xfrm>
-            <a:off x="-1451235" y="1635919"/>
-            <a:ext cx="208268" cy="199441"/>
-          </a:xfrm>
-          <a:prstGeom prst="ellipse">
-            <a:avLst/>
-          </a:prstGeom>
-          <a:noFill/>
-          <a:ln w="19050">
-            <a:solidFill>
-              <a:srgbClr val="C00000"/>
-            </a:solidFill>
-          </a:ln>
-        </p:spPr>
-        <p:style>
-          <a:lnRef idx="2">
-            <a:schemeClr val="accent1">
-              <a:shade val="50000"/>
-            </a:schemeClr>
-          </a:lnRef>
-          <a:fillRef idx="1">
-            <a:schemeClr val="accent1"/>
-          </a:fillRef>
-          <a:effectRef idx="0">
-            <a:schemeClr val="accent1"/>
-          </a:effectRef>
-          <a:fontRef idx="minor">
-            <a:schemeClr val="lt1"/>
-          </a:fontRef>
-        </p:style>
-        <p:txBody>
-          <a:bodyPr rtlCol="0" anchor="ctr"/>
-          <a:lstStyle/>
-          <a:p>
-            <a:pPr algn="ctr"/>
-            <a:r>
-              <a:rPr lang="en-US" altLang="ko-KR" b="1" dirty="0">
-                <a:solidFill>
-                  <a:srgbClr val="C00000"/>
-                </a:solidFill>
-              </a:rPr>
-              <a:t>4</a:t>
-            </a:r>
-            <a:endParaRPr lang="ko-KR" altLang="en-US" b="1" dirty="0">
-              <a:solidFill>
-                <a:srgbClr val="C00000"/>
-              </a:solidFill>
-            </a:endParaRPr>
-          </a:p>
-        </p:txBody>
-      </p:sp>
-      <p:sp>
-        <p:nvSpPr>
-          <p:cNvPr id="48" name="타원 47">
-            <a:extLst>
-              <a:ext uri="{FF2B5EF4-FFF2-40B4-BE49-F238E27FC236}">
-                <a16:creationId xmlns:a16="http://schemas.microsoft.com/office/drawing/2014/main" id="{EBF40656-6A0A-47FF-B841-A976D663C85D}"/>
-              </a:ext>
-            </a:extLst>
-          </p:cNvPr>
-          <p:cNvSpPr/>
-          <p:nvPr/>
-        </p:nvSpPr>
-        <p:spPr>
-          <a:xfrm>
-            <a:off x="-2162712" y="1876831"/>
-            <a:ext cx="208268" cy="199441"/>
-          </a:xfrm>
-          <a:prstGeom prst="ellipse">
-            <a:avLst/>
-          </a:prstGeom>
-          <a:noFill/>
-          <a:ln w="19050">
-            <a:solidFill>
-              <a:srgbClr val="C00000"/>
-            </a:solidFill>
-          </a:ln>
-        </p:spPr>
-        <p:style>
-          <a:lnRef idx="2">
-            <a:schemeClr val="accent1">
-              <a:shade val="50000"/>
-            </a:schemeClr>
-          </a:lnRef>
-          <a:fillRef idx="1">
-            <a:schemeClr val="accent1"/>
-          </a:fillRef>
-          <a:effectRef idx="0">
-            <a:schemeClr val="accent1"/>
-          </a:effectRef>
-          <a:fontRef idx="minor">
-            <a:schemeClr val="lt1"/>
-          </a:fontRef>
-        </p:style>
-        <p:txBody>
-          <a:bodyPr rtlCol="0" anchor="ctr"/>
-          <a:lstStyle/>
-          <a:p>
-            <a:pPr algn="ctr"/>
-            <a:r>
-              <a:rPr lang="en-US" altLang="ko-KR" b="1" dirty="0">
-                <a:solidFill>
-                  <a:srgbClr val="C00000"/>
-                </a:solidFill>
-              </a:rPr>
-              <a:t>5</a:t>
-            </a:r>
-            <a:endParaRPr lang="ko-KR" altLang="en-US" b="1" dirty="0">
-              <a:solidFill>
-                <a:srgbClr val="C00000"/>
-              </a:solidFill>
-            </a:endParaRPr>
-          </a:p>
-        </p:txBody>
-      </p:sp>
-      <p:sp>
-        <p:nvSpPr>
-          <p:cNvPr id="49" name="타원 48">
-            <a:extLst>
-              <a:ext uri="{FF2B5EF4-FFF2-40B4-BE49-F238E27FC236}">
-                <a16:creationId xmlns:a16="http://schemas.microsoft.com/office/drawing/2014/main" id="{85AD3206-68EE-4381-9D5B-02F2FAA5B30B}"/>
-              </a:ext>
-            </a:extLst>
-          </p:cNvPr>
-          <p:cNvSpPr/>
-          <p:nvPr/>
-        </p:nvSpPr>
-        <p:spPr>
-          <a:xfrm>
-            <a:off x="-1671445" y="1876831"/>
-            <a:ext cx="208268" cy="199441"/>
-          </a:xfrm>
-          <a:prstGeom prst="ellipse">
-            <a:avLst/>
-          </a:prstGeom>
-          <a:noFill/>
-          <a:ln w="19050">
-            <a:solidFill>
-              <a:srgbClr val="C00000"/>
-            </a:solidFill>
-          </a:ln>
-        </p:spPr>
-        <p:style>
-          <a:lnRef idx="2">
-            <a:schemeClr val="accent1">
-              <a:shade val="50000"/>
-            </a:schemeClr>
-          </a:lnRef>
-          <a:fillRef idx="1">
-            <a:schemeClr val="accent1"/>
-          </a:fillRef>
-          <a:effectRef idx="0">
-            <a:schemeClr val="accent1"/>
-          </a:effectRef>
-          <a:fontRef idx="minor">
-            <a:schemeClr val="lt1"/>
-          </a:fontRef>
-        </p:style>
-        <p:txBody>
-          <a:bodyPr rtlCol="0" anchor="ctr"/>
-          <a:lstStyle/>
-          <a:p>
-            <a:pPr algn="ctr"/>
-            <a:r>
-              <a:rPr lang="en-US" altLang="ko-KR" b="1" dirty="0">
-                <a:solidFill>
-                  <a:srgbClr val="C00000"/>
-                </a:solidFill>
-              </a:rPr>
-              <a:t>7</a:t>
-            </a:r>
-            <a:endParaRPr lang="ko-KR" altLang="en-US" b="1" dirty="0">
-              <a:solidFill>
-                <a:srgbClr val="C00000"/>
-              </a:solidFill>
-            </a:endParaRPr>
-          </a:p>
-        </p:txBody>
-      </p:sp>
-      <p:sp>
-        <p:nvSpPr>
-          <p:cNvPr id="50" name="타원 49">
-            <a:extLst>
-              <a:ext uri="{FF2B5EF4-FFF2-40B4-BE49-F238E27FC236}">
-                <a16:creationId xmlns:a16="http://schemas.microsoft.com/office/drawing/2014/main" id="{3B93A0D7-6025-4B58-8F63-04CB20CE22C3}"/>
-              </a:ext>
-            </a:extLst>
-          </p:cNvPr>
-          <p:cNvSpPr/>
-          <p:nvPr/>
-        </p:nvSpPr>
-        <p:spPr>
-          <a:xfrm>
-            <a:off x="-1915589" y="1874680"/>
-            <a:ext cx="208268" cy="199441"/>
-          </a:xfrm>
-          <a:prstGeom prst="ellipse">
-            <a:avLst/>
-          </a:prstGeom>
-          <a:noFill/>
-          <a:ln w="19050">
-            <a:solidFill>
-              <a:srgbClr val="C00000"/>
-            </a:solidFill>
-          </a:ln>
-        </p:spPr>
-        <p:style>
-          <a:lnRef idx="2">
-            <a:schemeClr val="accent1">
-              <a:shade val="50000"/>
-            </a:schemeClr>
-          </a:lnRef>
-          <a:fillRef idx="1">
-            <a:schemeClr val="accent1"/>
-          </a:fillRef>
-          <a:effectRef idx="0">
-            <a:schemeClr val="accent1"/>
-          </a:effectRef>
-          <a:fontRef idx="minor">
-            <a:schemeClr val="lt1"/>
-          </a:fontRef>
-        </p:style>
-        <p:txBody>
-          <a:bodyPr rtlCol="0" anchor="ctr"/>
-          <a:lstStyle/>
-          <a:p>
-            <a:pPr algn="ctr"/>
-            <a:r>
-              <a:rPr lang="en-US" altLang="ko-KR" b="1" dirty="0">
-                <a:solidFill>
-                  <a:srgbClr val="C00000"/>
-                </a:solidFill>
-              </a:rPr>
-              <a:t>6</a:t>
-            </a:r>
-            <a:endParaRPr lang="ko-KR" altLang="en-US" b="1" dirty="0">
-              <a:solidFill>
-                <a:srgbClr val="C00000"/>
-              </a:solidFill>
-            </a:endParaRPr>
-          </a:p>
-        </p:txBody>
-      </p:sp>
-      <p:sp>
-        <p:nvSpPr>
-          <p:cNvPr id="51" name="타원 50">
-            <a:extLst>
-              <a:ext uri="{FF2B5EF4-FFF2-40B4-BE49-F238E27FC236}">
-                <a16:creationId xmlns:a16="http://schemas.microsoft.com/office/drawing/2014/main" id="{4CA5DCD0-2F9E-4CA7-BC33-642C494F42E6}"/>
-              </a:ext>
-            </a:extLst>
-          </p:cNvPr>
-          <p:cNvSpPr/>
-          <p:nvPr/>
-        </p:nvSpPr>
-        <p:spPr>
-          <a:xfrm>
-            <a:off x="-1416944" y="1874679"/>
-            <a:ext cx="208268" cy="199441"/>
-          </a:xfrm>
-          <a:prstGeom prst="ellipse">
-            <a:avLst/>
-          </a:prstGeom>
-          <a:noFill/>
-          <a:ln w="19050">
-            <a:solidFill>
-              <a:srgbClr val="C00000"/>
-            </a:solidFill>
-          </a:ln>
-        </p:spPr>
-        <p:style>
-          <a:lnRef idx="2">
-            <a:schemeClr val="accent1">
-              <a:shade val="50000"/>
-            </a:schemeClr>
-          </a:lnRef>
-          <a:fillRef idx="1">
-            <a:schemeClr val="accent1"/>
-          </a:fillRef>
-          <a:effectRef idx="0">
-            <a:schemeClr val="accent1"/>
-          </a:effectRef>
-          <a:fontRef idx="minor">
-            <a:schemeClr val="lt1"/>
-          </a:fontRef>
-        </p:style>
-        <p:txBody>
-          <a:bodyPr rtlCol="0" anchor="ctr"/>
-          <a:lstStyle/>
-          <a:p>
-            <a:pPr algn="ctr"/>
-            <a:r>
-              <a:rPr lang="en-US" altLang="ko-KR" b="1" dirty="0">
-                <a:solidFill>
-                  <a:srgbClr val="C00000"/>
-                </a:solidFill>
-              </a:rPr>
-              <a:t>8</a:t>
-            </a:r>
-            <a:endParaRPr lang="ko-KR" altLang="en-US" b="1" dirty="0">
-              <a:solidFill>
-                <a:srgbClr val="C00000"/>
-              </a:solidFill>
-            </a:endParaRPr>
-          </a:p>
-        </p:txBody>
-      </p:sp>
-      <p:sp>
-        <p:nvSpPr>
           <p:cNvPr id="52" name="사각형: 둥근 모서리 51">
             <a:extLst>
               <a:ext uri="{FF2B5EF4-FFF2-40B4-BE49-F238E27FC236}">
@@ -6751,6 +6431,36 @@
           </a:p>
         </p:txBody>
       </p:sp>
+      <p:pic>
+        <p:nvPicPr>
+          <p:cNvPr id="2" name="그림 1">
+            <a:extLst>
+              <a:ext uri="{FF2B5EF4-FFF2-40B4-BE49-F238E27FC236}">
+                <a16:creationId xmlns:a16="http://schemas.microsoft.com/office/drawing/2014/main" id="{6444F661-3A4C-4671-92F0-33461635B100}"/>
+              </a:ext>
+            </a:extLst>
+          </p:cNvPr>
+          <p:cNvPicPr>
+            <a:picLocks noChangeAspect="1"/>
+          </p:cNvPicPr>
+          <p:nvPr/>
+        </p:nvPicPr>
+        <p:blipFill>
+          <a:blip r:embed="rId2"/>
+          <a:stretch>
+            <a:fillRect/>
+          </a:stretch>
+        </p:blipFill>
+        <p:spPr>
+          <a:xfrm>
+            <a:off x="98111" y="5870377"/>
+            <a:ext cx="7086600" cy="1162050"/>
+          </a:xfrm>
+          <a:prstGeom prst="rect">
+            <a:avLst/>
+          </a:prstGeom>
+        </p:spPr>
+      </p:pic>
     </p:spTree>
     <p:extLst>
       <p:ext uri="{BB962C8B-B14F-4D97-AF65-F5344CB8AC3E}">
@@ -8795,6 +8505,36 @@
           </a:p>
         </p:txBody>
       </p:sp>
+      <p:pic>
+        <p:nvPicPr>
+          <p:cNvPr id="3" name="그림 2">
+            <a:extLst>
+              <a:ext uri="{FF2B5EF4-FFF2-40B4-BE49-F238E27FC236}">
+                <a16:creationId xmlns:a16="http://schemas.microsoft.com/office/drawing/2014/main" id="{3E1A02F9-BEA4-4CBD-B420-4707DDB0702F}"/>
+              </a:ext>
+            </a:extLst>
+          </p:cNvPr>
+          <p:cNvPicPr>
+            <a:picLocks noChangeAspect="1"/>
+          </p:cNvPicPr>
+          <p:nvPr/>
+        </p:nvPicPr>
+        <p:blipFill>
+          <a:blip r:embed="rId2"/>
+          <a:stretch>
+            <a:fillRect/>
+          </a:stretch>
+        </p:blipFill>
+        <p:spPr>
+          <a:xfrm>
+            <a:off x="232188" y="5976777"/>
+            <a:ext cx="6743700" cy="904875"/>
+          </a:xfrm>
+          <a:prstGeom prst="rect">
+            <a:avLst/>
+          </a:prstGeom>
+        </p:spPr>
+      </p:pic>
     </p:spTree>
     <p:extLst>
       <p:ext uri="{BB962C8B-B14F-4D97-AF65-F5344CB8AC3E}">
@@ -10928,6 +10668,36 @@
           </a:p>
         </p:txBody>
       </p:sp>
+      <p:pic>
+        <p:nvPicPr>
+          <p:cNvPr id="2" name="그림 1">
+            <a:extLst>
+              <a:ext uri="{FF2B5EF4-FFF2-40B4-BE49-F238E27FC236}">
+                <a16:creationId xmlns:a16="http://schemas.microsoft.com/office/drawing/2014/main" id="{F50332A8-A79C-4E9A-B3D6-7EFF42D1A868}"/>
+              </a:ext>
+            </a:extLst>
+          </p:cNvPr>
+          <p:cNvPicPr>
+            <a:picLocks noChangeAspect="1"/>
+          </p:cNvPicPr>
+          <p:nvPr/>
+        </p:nvPicPr>
+        <p:blipFill>
+          <a:blip r:embed="rId4"/>
+          <a:stretch>
+            <a:fillRect/>
+          </a:stretch>
+        </p:blipFill>
+        <p:spPr>
+          <a:xfrm>
+            <a:off x="167036" y="5925830"/>
+            <a:ext cx="7029450" cy="1333500"/>
+          </a:xfrm>
+          <a:prstGeom prst="rect">
+            <a:avLst/>
+          </a:prstGeom>
+        </p:spPr>
+      </p:pic>
     </p:spTree>
     <p:extLst>
       <p:ext uri="{BB962C8B-B14F-4D97-AF65-F5344CB8AC3E}">
@@ -12968,6 +12738,36 @@
           </a:p>
         </p:txBody>
       </p:sp>
+      <p:pic>
+        <p:nvPicPr>
+          <p:cNvPr id="2" name="그림 1">
+            <a:extLst>
+              <a:ext uri="{FF2B5EF4-FFF2-40B4-BE49-F238E27FC236}">
+                <a16:creationId xmlns:a16="http://schemas.microsoft.com/office/drawing/2014/main" id="{EC1C24B0-BB5D-483A-9B0E-C4093ED3A87D}"/>
+              </a:ext>
+            </a:extLst>
+          </p:cNvPr>
+          <p:cNvPicPr>
+            <a:picLocks noChangeAspect="1"/>
+          </p:cNvPicPr>
+          <p:nvPr/>
+        </p:nvPicPr>
+        <p:blipFill>
+          <a:blip r:embed="rId4"/>
+          <a:stretch>
+            <a:fillRect/>
+          </a:stretch>
+        </p:blipFill>
+        <p:spPr>
+          <a:xfrm>
+            <a:off x="214183" y="6012012"/>
+            <a:ext cx="6772275" cy="1371600"/>
+          </a:xfrm>
+          <a:prstGeom prst="rect">
+            <a:avLst/>
+          </a:prstGeom>
+        </p:spPr>
+      </p:pic>
     </p:spTree>
     <p:extLst>
       <p:ext uri="{BB962C8B-B14F-4D97-AF65-F5344CB8AC3E}">
@@ -15432,6 +15232,36 @@
           </p:txBody>
         </p:sp>
       </p:grpSp>
+      <p:pic>
+        <p:nvPicPr>
+          <p:cNvPr id="2" name="그림 1">
+            <a:extLst>
+              <a:ext uri="{FF2B5EF4-FFF2-40B4-BE49-F238E27FC236}">
+                <a16:creationId xmlns:a16="http://schemas.microsoft.com/office/drawing/2014/main" id="{D4D05EEE-8BAA-44F9-A01C-923BE67FD31A}"/>
+              </a:ext>
+            </a:extLst>
+          </p:cNvPr>
+          <p:cNvPicPr>
+            <a:picLocks noChangeAspect="1"/>
+          </p:cNvPicPr>
+          <p:nvPr/>
+        </p:nvPicPr>
+        <p:blipFill>
+          <a:blip r:embed="rId2"/>
+          <a:stretch>
+            <a:fillRect/>
+          </a:stretch>
+        </p:blipFill>
+        <p:spPr>
+          <a:xfrm>
+            <a:off x="79988" y="5863023"/>
+            <a:ext cx="6814128" cy="3089071"/>
+          </a:xfrm>
+          <a:prstGeom prst="rect">
+            <a:avLst/>
+          </a:prstGeom>
+        </p:spPr>
+      </p:pic>
     </p:spTree>
     <p:extLst>
       <p:ext uri="{BB962C8B-B14F-4D97-AF65-F5344CB8AC3E}">
@@ -18060,66 +17890,6 @@
           </p:txBody>
         </p:sp>
       </p:grpSp>
-      <p:pic>
-        <p:nvPicPr>
-          <p:cNvPr id="2" name="그림 1">
-            <a:extLst>
-              <a:ext uri="{FF2B5EF4-FFF2-40B4-BE49-F238E27FC236}">
-                <a16:creationId xmlns:a16="http://schemas.microsoft.com/office/drawing/2014/main" id="{F70CFFC4-8E9D-4411-BEA1-7E827D11B57C}"/>
-              </a:ext>
-            </a:extLst>
-          </p:cNvPr>
-          <p:cNvPicPr>
-            <a:picLocks noChangeAspect="1"/>
-          </p:cNvPicPr>
-          <p:nvPr/>
-        </p:nvPicPr>
-        <p:blipFill>
-          <a:blip r:embed="rId4"/>
-          <a:stretch>
-            <a:fillRect/>
-          </a:stretch>
-        </p:blipFill>
-        <p:spPr>
-          <a:xfrm>
-            <a:off x="111603" y="5885984"/>
-            <a:ext cx="3457575" cy="3048000"/>
-          </a:xfrm>
-          <a:prstGeom prst="rect">
-            <a:avLst/>
-          </a:prstGeom>
-        </p:spPr>
-      </p:pic>
-      <p:pic>
-        <p:nvPicPr>
-          <p:cNvPr id="9" name="그림 8">
-            <a:extLst>
-              <a:ext uri="{FF2B5EF4-FFF2-40B4-BE49-F238E27FC236}">
-                <a16:creationId xmlns:a16="http://schemas.microsoft.com/office/drawing/2014/main" id="{EDBF5FC6-7BC2-4D71-AD2A-00ABAEE05934}"/>
-              </a:ext>
-            </a:extLst>
-          </p:cNvPr>
-          <p:cNvPicPr>
-            <a:picLocks noChangeAspect="1"/>
-          </p:cNvPicPr>
-          <p:nvPr/>
-        </p:nvPicPr>
-        <p:blipFill>
-          <a:blip r:embed="rId5"/>
-          <a:stretch>
-            <a:fillRect/>
-          </a:stretch>
-        </p:blipFill>
-        <p:spPr>
-          <a:xfrm>
-            <a:off x="3445299" y="6255699"/>
-            <a:ext cx="4070777" cy="2118199"/>
-          </a:xfrm>
-          <a:prstGeom prst="rect">
-            <a:avLst/>
-          </a:prstGeom>
-        </p:spPr>
-      </p:pic>
       <p:sp>
         <p:nvSpPr>
           <p:cNvPr id="112" name="사각형: 둥근 모서리 111">
@@ -19191,6 +18961,36 @@
           </a:p>
         </p:txBody>
       </p:sp>
+      <p:pic>
+        <p:nvPicPr>
+          <p:cNvPr id="5" name="그림 4">
+            <a:extLst>
+              <a:ext uri="{FF2B5EF4-FFF2-40B4-BE49-F238E27FC236}">
+                <a16:creationId xmlns:a16="http://schemas.microsoft.com/office/drawing/2014/main" id="{ECA963DA-63C2-4B0F-B5C6-0FDCF6B315EB}"/>
+              </a:ext>
+            </a:extLst>
+          </p:cNvPr>
+          <p:cNvPicPr>
+            <a:picLocks noChangeAspect="1"/>
+          </p:cNvPicPr>
+          <p:nvPr/>
+        </p:nvPicPr>
+        <p:blipFill>
+          <a:blip r:embed="rId4"/>
+          <a:stretch>
+            <a:fillRect/>
+          </a:stretch>
+        </p:blipFill>
+        <p:spPr>
+          <a:xfrm>
+            <a:off x="132676" y="5932548"/>
+            <a:ext cx="6060349" cy="2854808"/>
+          </a:xfrm>
+          <a:prstGeom prst="rect">
+            <a:avLst/>
+          </a:prstGeom>
+        </p:spPr>
+      </p:pic>
     </p:spTree>
     <p:extLst>
       <p:ext uri="{BB962C8B-B14F-4D97-AF65-F5344CB8AC3E}">
@@ -19235,7 +19035,7 @@
         </p:nvSpPr>
         <p:spPr>
           <a:xfrm>
-            <a:off x="1021648" y="1389859"/>
+            <a:off x="1021648" y="1026302"/>
             <a:ext cx="690794" cy="229012"/>
           </a:xfrm>
           <a:prstGeom prst="roundRect">
@@ -19285,7 +19085,7 @@
         </p:nvSpPr>
         <p:spPr>
           <a:xfrm>
-            <a:off x="1021648" y="1776078"/>
+            <a:off x="1021648" y="1412521"/>
             <a:ext cx="5556951" cy="1691021"/>
           </a:xfrm>
           <a:prstGeom prst="rect">
@@ -19341,7 +19141,7 @@
         </p:nvSpPr>
         <p:spPr>
           <a:xfrm>
-            <a:off x="1062073" y="1809964"/>
+            <a:off x="1062073" y="1446407"/>
             <a:ext cx="1388125" cy="276999"/>
           </a:xfrm>
           <a:prstGeom prst="rect">
@@ -19381,7 +19181,7 @@
         </p:nvSpPr>
         <p:spPr>
           <a:xfrm>
-            <a:off x="1021647" y="3466908"/>
+            <a:off x="1021647" y="3103351"/>
             <a:ext cx="2758189" cy="1024071"/>
           </a:xfrm>
           <a:prstGeom prst="rect">
@@ -19437,7 +19237,7 @@
         </p:nvSpPr>
         <p:spPr>
           <a:xfrm>
-            <a:off x="1033233" y="3486284"/>
+            <a:off x="1033233" y="3122727"/>
             <a:ext cx="1388125" cy="276999"/>
           </a:xfrm>
           <a:prstGeom prst="rect">
@@ -19477,7 +19277,7 @@
         </p:nvSpPr>
         <p:spPr>
           <a:xfrm>
-            <a:off x="1572232" y="1819517"/>
+            <a:off x="1572232" y="1455960"/>
             <a:ext cx="2117364" cy="276999"/>
           </a:xfrm>
           <a:prstGeom prst="rect">
@@ -19530,7 +19330,7 @@
         </p:blipFill>
         <p:spPr>
           <a:xfrm>
-            <a:off x="3286125" y="1341107"/>
+            <a:off x="3286125" y="977550"/>
             <a:ext cx="316880" cy="316880"/>
           </a:xfrm>
           <a:prstGeom prst="rect">
@@ -19552,7 +19352,7 @@
         </p:nvSpPr>
         <p:spPr>
           <a:xfrm>
-            <a:off x="3779836" y="3466173"/>
+            <a:off x="3779836" y="3102616"/>
             <a:ext cx="2798764" cy="1024071"/>
           </a:xfrm>
           <a:prstGeom prst="rect">
@@ -19608,7 +19408,7 @@
         </p:nvSpPr>
         <p:spPr>
           <a:xfrm>
-            <a:off x="3949700" y="3518189"/>
+            <a:off x="3949700" y="3154632"/>
             <a:ext cx="1388125" cy="276999"/>
           </a:xfrm>
           <a:prstGeom prst="rect">
@@ -19648,7 +19448,7 @@
         </p:nvSpPr>
         <p:spPr>
           <a:xfrm>
-            <a:off x="1727295" y="1384778"/>
+            <a:off x="1727295" y="1021221"/>
             <a:ext cx="1558830" cy="276999"/>
           </a:xfrm>
           <a:prstGeom prst="rect">
@@ -19699,7 +19499,7 @@
         </p:nvSpPr>
         <p:spPr>
           <a:xfrm>
-            <a:off x="1121521" y="2347959"/>
+            <a:off x="1121521" y="1984402"/>
             <a:ext cx="4216304" cy="938719"/>
           </a:xfrm>
           <a:prstGeom prst="rect">
@@ -20206,7 +20006,7 @@
         </p:nvSpPr>
         <p:spPr>
           <a:xfrm>
-            <a:off x="1021647" y="4686930"/>
+            <a:off x="1021647" y="4323373"/>
             <a:ext cx="5556951" cy="447786"/>
           </a:xfrm>
           <a:prstGeom prst="rect">
@@ -20262,7 +20062,7 @@
         </p:nvSpPr>
         <p:spPr>
           <a:xfrm>
-            <a:off x="1062072" y="4720815"/>
+            <a:off x="1062072" y="4357258"/>
             <a:ext cx="1388125" cy="276999"/>
           </a:xfrm>
           <a:prstGeom prst="rect">
@@ -20302,7 +20102,7 @@
         </p:nvSpPr>
         <p:spPr>
           <a:xfrm>
-            <a:off x="1021647" y="5134715"/>
+            <a:off x="1021647" y="4771158"/>
             <a:ext cx="5556951" cy="447786"/>
           </a:xfrm>
           <a:prstGeom prst="rect">
@@ -20358,7 +20158,7 @@
         </p:nvSpPr>
         <p:spPr>
           <a:xfrm>
-            <a:off x="1062072" y="5168600"/>
+            <a:off x="1062072" y="4805043"/>
             <a:ext cx="1388125" cy="276999"/>
           </a:xfrm>
           <a:prstGeom prst="rect">
@@ -20398,7 +20198,7 @@
         </p:nvSpPr>
         <p:spPr>
           <a:xfrm>
-            <a:off x="1021647" y="5582500"/>
+            <a:off x="1021647" y="5218943"/>
             <a:ext cx="5556951" cy="447786"/>
           </a:xfrm>
           <a:prstGeom prst="rect">
@@ -20454,7 +20254,7 @@
         </p:nvSpPr>
         <p:spPr>
           <a:xfrm>
-            <a:off x="1062072" y="5616385"/>
+            <a:off x="1062072" y="5252828"/>
             <a:ext cx="1388125" cy="276999"/>
           </a:xfrm>
           <a:prstGeom prst="rect">
@@ -20494,7 +20294,7 @@
         </p:nvSpPr>
         <p:spPr>
           <a:xfrm>
-            <a:off x="1021647" y="6030285"/>
+            <a:off x="1021647" y="5666728"/>
             <a:ext cx="5556951" cy="447786"/>
           </a:xfrm>
           <a:prstGeom prst="rect">
@@ -20550,7 +20350,7 @@
         </p:nvSpPr>
         <p:spPr>
           <a:xfrm>
-            <a:off x="1062072" y="6064170"/>
+            <a:off x="1062072" y="5700613"/>
             <a:ext cx="1388125" cy="276999"/>
           </a:xfrm>
           <a:prstGeom prst="rect">
@@ -20590,7 +20390,7 @@
         </p:nvSpPr>
         <p:spPr>
           <a:xfrm>
-            <a:off x="4688727" y="1454892"/>
+            <a:off x="4688727" y="1091335"/>
             <a:ext cx="1889872" cy="248596"/>
           </a:xfrm>
           <a:prstGeom prst="roundRect">
@@ -20654,8 +20454,8 @@
         </p:nvSpPr>
         <p:spPr>
           <a:xfrm>
-            <a:off x="0" y="7531000"/>
-            <a:ext cx="7559675" cy="1468538"/>
+            <a:off x="0" y="6872614"/>
+            <a:ext cx="7559675" cy="2126924"/>
           </a:xfrm>
           <a:prstGeom prst="rect">
             <a:avLst/>
@@ -20706,7 +20506,7 @@
         </p:nvSpPr>
         <p:spPr>
           <a:xfrm>
-            <a:off x="-2" y="7280241"/>
+            <a:off x="-2" y="6608209"/>
             <a:ext cx="7559675" cy="264405"/>
           </a:xfrm>
           <a:prstGeom prst="rect">
@@ -20760,7 +20560,7 @@
         </p:nvSpPr>
         <p:spPr>
           <a:xfrm>
-            <a:off x="2870943" y="7283036"/>
+            <a:off x="2870943" y="6611004"/>
             <a:ext cx="1817783" cy="261610"/>
           </a:xfrm>
           <a:prstGeom prst="rect">
@@ -20797,7 +20597,7 @@
         </p:nvSpPr>
         <p:spPr>
           <a:xfrm>
-            <a:off x="777952" y="1423556"/>
+            <a:off x="777952" y="1059999"/>
             <a:ext cx="208268" cy="199441"/>
           </a:xfrm>
           <a:prstGeom prst="ellipse">
@@ -20861,7 +20661,7 @@
         </p:nvSpPr>
         <p:spPr>
           <a:xfrm>
-            <a:off x="3181991" y="1237596"/>
+            <a:off x="3181991" y="874039"/>
             <a:ext cx="208268" cy="199441"/>
           </a:xfrm>
           <a:prstGeom prst="ellipse">
@@ -20925,7 +20725,7 @@
         </p:nvSpPr>
         <p:spPr>
           <a:xfrm>
-            <a:off x="824965" y="1848742"/>
+            <a:off x="824965" y="1485185"/>
             <a:ext cx="208268" cy="199441"/>
           </a:xfrm>
           <a:prstGeom prst="ellipse">
@@ -20989,7 +20789,7 @@
         </p:nvSpPr>
         <p:spPr>
           <a:xfrm>
-            <a:off x="4420240" y="1481513"/>
+            <a:off x="4420240" y="1117956"/>
             <a:ext cx="208268" cy="199441"/>
           </a:xfrm>
           <a:prstGeom prst="ellipse">
@@ -21053,7 +20853,7 @@
         </p:nvSpPr>
         <p:spPr>
           <a:xfrm>
-            <a:off x="5421006" y="6580357"/>
+            <a:off x="5421006" y="6216800"/>
             <a:ext cx="208268" cy="199441"/>
           </a:xfrm>
           <a:prstGeom prst="ellipse">
@@ -21105,10 +20905,10 @@
       </p:sp>
       <p:sp>
         <p:nvSpPr>
-          <p:cNvPr id="91" name="타원 90">
-            <a:extLst>
-              <a:ext uri="{FF2B5EF4-FFF2-40B4-BE49-F238E27FC236}">
-                <a16:creationId xmlns:a16="http://schemas.microsoft.com/office/drawing/2014/main" id="{0E1CF09E-C498-4793-A6B1-0C01EF82A10A}"/>
+          <p:cNvPr id="94" name="사각형: 둥근 모서리 93">
+            <a:extLst>
+              <a:ext uri="{FF2B5EF4-FFF2-40B4-BE49-F238E27FC236}">
+                <a16:creationId xmlns:a16="http://schemas.microsoft.com/office/drawing/2014/main" id="{8254B16B-61B7-41DD-A597-94B05291687B}"/>
               </a:ext>
             </a:extLst>
           </p:cNvPr>
@@ -21117,199 +20917,7 @@
         </p:nvSpPr>
         <p:spPr>
           <a:xfrm>
-            <a:off x="-1168978" y="1863967"/>
-            <a:ext cx="208268" cy="199441"/>
-          </a:xfrm>
-          <a:prstGeom prst="ellipse">
-            <a:avLst/>
-          </a:prstGeom>
-          <a:noFill/>
-          <a:ln w="19050">
-            <a:solidFill>
-              <a:srgbClr val="C00000"/>
-            </a:solidFill>
-          </a:ln>
-        </p:spPr>
-        <p:style>
-          <a:lnRef idx="2">
-            <a:schemeClr val="accent1">
-              <a:shade val="50000"/>
-            </a:schemeClr>
-          </a:lnRef>
-          <a:fillRef idx="1">
-            <a:schemeClr val="accent1"/>
-          </a:fillRef>
-          <a:effectRef idx="0">
-            <a:schemeClr val="accent1"/>
-          </a:effectRef>
-          <a:fontRef idx="minor">
-            <a:schemeClr val="lt1"/>
-          </a:fontRef>
-        </p:style>
-        <p:txBody>
-          <a:bodyPr rtlCol="0" anchor="ctr"/>
-          <a:lstStyle/>
-          <a:p>
-            <a:pPr algn="ctr"/>
-            <a:r>
-              <a:rPr lang="en-US" altLang="ko-KR" b="1" dirty="0">
-                <a:solidFill>
-                  <a:srgbClr val="C00000"/>
-                </a:solidFill>
-              </a:rPr>
-              <a:t>7</a:t>
-            </a:r>
-            <a:endParaRPr lang="ko-KR" altLang="en-US" b="1" dirty="0">
-              <a:solidFill>
-                <a:srgbClr val="C00000"/>
-              </a:solidFill>
-            </a:endParaRPr>
-          </a:p>
-        </p:txBody>
-      </p:sp>
-      <p:sp>
-        <p:nvSpPr>
-          <p:cNvPr id="92" name="타원 91">
-            <a:extLst>
-              <a:ext uri="{FF2B5EF4-FFF2-40B4-BE49-F238E27FC236}">
-                <a16:creationId xmlns:a16="http://schemas.microsoft.com/office/drawing/2014/main" id="{1391B61C-F823-487D-83F2-B78A904FE9B9}"/>
-              </a:ext>
-            </a:extLst>
-          </p:cNvPr>
-          <p:cNvSpPr/>
-          <p:nvPr/>
-        </p:nvSpPr>
-        <p:spPr>
-          <a:xfrm>
-            <a:off x="-1413122" y="1861816"/>
-            <a:ext cx="208268" cy="199441"/>
-          </a:xfrm>
-          <a:prstGeom prst="ellipse">
-            <a:avLst/>
-          </a:prstGeom>
-          <a:noFill/>
-          <a:ln w="19050">
-            <a:solidFill>
-              <a:srgbClr val="C00000"/>
-            </a:solidFill>
-          </a:ln>
-        </p:spPr>
-        <p:style>
-          <a:lnRef idx="2">
-            <a:schemeClr val="accent1">
-              <a:shade val="50000"/>
-            </a:schemeClr>
-          </a:lnRef>
-          <a:fillRef idx="1">
-            <a:schemeClr val="accent1"/>
-          </a:fillRef>
-          <a:effectRef idx="0">
-            <a:schemeClr val="accent1"/>
-          </a:effectRef>
-          <a:fontRef idx="minor">
-            <a:schemeClr val="lt1"/>
-          </a:fontRef>
-        </p:style>
-        <p:txBody>
-          <a:bodyPr rtlCol="0" anchor="ctr"/>
-          <a:lstStyle/>
-          <a:p>
-            <a:pPr algn="ctr"/>
-            <a:r>
-              <a:rPr lang="en-US" altLang="ko-KR" b="1" dirty="0">
-                <a:solidFill>
-                  <a:srgbClr val="C00000"/>
-                </a:solidFill>
-              </a:rPr>
-              <a:t>6</a:t>
-            </a:r>
-            <a:endParaRPr lang="ko-KR" altLang="en-US" b="1" dirty="0">
-              <a:solidFill>
-                <a:srgbClr val="C00000"/>
-              </a:solidFill>
-            </a:endParaRPr>
-          </a:p>
-        </p:txBody>
-      </p:sp>
-      <p:sp>
-        <p:nvSpPr>
-          <p:cNvPr id="93" name="타원 92">
-            <a:extLst>
-              <a:ext uri="{FF2B5EF4-FFF2-40B4-BE49-F238E27FC236}">
-                <a16:creationId xmlns:a16="http://schemas.microsoft.com/office/drawing/2014/main" id="{4D6A2FBF-B767-4CE6-A4EA-84A59505CCE7}"/>
-              </a:ext>
-            </a:extLst>
-          </p:cNvPr>
-          <p:cNvSpPr/>
-          <p:nvPr/>
-        </p:nvSpPr>
-        <p:spPr>
-          <a:xfrm>
-            <a:off x="-914477" y="1861815"/>
-            <a:ext cx="208268" cy="199441"/>
-          </a:xfrm>
-          <a:prstGeom prst="ellipse">
-            <a:avLst/>
-          </a:prstGeom>
-          <a:noFill/>
-          <a:ln w="19050">
-            <a:solidFill>
-              <a:srgbClr val="C00000"/>
-            </a:solidFill>
-          </a:ln>
-        </p:spPr>
-        <p:style>
-          <a:lnRef idx="2">
-            <a:schemeClr val="accent1">
-              <a:shade val="50000"/>
-            </a:schemeClr>
-          </a:lnRef>
-          <a:fillRef idx="1">
-            <a:schemeClr val="accent1"/>
-          </a:fillRef>
-          <a:effectRef idx="0">
-            <a:schemeClr val="accent1"/>
-          </a:effectRef>
-          <a:fontRef idx="minor">
-            <a:schemeClr val="lt1"/>
-          </a:fontRef>
-        </p:style>
-        <p:txBody>
-          <a:bodyPr rtlCol="0" anchor="ctr"/>
-          <a:lstStyle/>
-          <a:p>
-            <a:pPr algn="ctr"/>
-            <a:r>
-              <a:rPr lang="en-US" altLang="ko-KR" b="1" dirty="0">
-                <a:solidFill>
-                  <a:srgbClr val="C00000"/>
-                </a:solidFill>
-              </a:rPr>
-              <a:t>8</a:t>
-            </a:r>
-            <a:endParaRPr lang="ko-KR" altLang="en-US" b="1" dirty="0">
-              <a:solidFill>
-                <a:srgbClr val="C00000"/>
-              </a:solidFill>
-            </a:endParaRPr>
-          </a:p>
-        </p:txBody>
-      </p:sp>
-      <p:sp>
-        <p:nvSpPr>
-          <p:cNvPr id="94" name="사각형: 둥근 모서리 93">
-            <a:extLst>
-              <a:ext uri="{FF2B5EF4-FFF2-40B4-BE49-F238E27FC236}">
-                <a16:creationId xmlns:a16="http://schemas.microsoft.com/office/drawing/2014/main" id="{8254B16B-61B7-41DD-A597-94B05291687B}"/>
-              </a:ext>
-            </a:extLst>
-          </p:cNvPr>
-          <p:cNvSpPr/>
-          <p:nvPr/>
-        </p:nvSpPr>
-        <p:spPr>
-          <a:xfrm>
-            <a:off x="5719629" y="6578531"/>
+            <a:off x="5719629" y="6214974"/>
             <a:ext cx="858969" cy="203095"/>
           </a:xfrm>
           <a:prstGeom prst="roundRect">
@@ -21359,6 +20967,36 @@
           </a:p>
         </p:txBody>
       </p:sp>
+      <p:pic>
+        <p:nvPicPr>
+          <p:cNvPr id="3" name="그림 2">
+            <a:extLst>
+              <a:ext uri="{FF2B5EF4-FFF2-40B4-BE49-F238E27FC236}">
+                <a16:creationId xmlns:a16="http://schemas.microsoft.com/office/drawing/2014/main" id="{ED7C6CF3-831F-4008-A910-74DDDF580411}"/>
+              </a:ext>
+            </a:extLst>
+          </p:cNvPr>
+          <p:cNvPicPr>
+            <a:picLocks noChangeAspect="1"/>
+          </p:cNvPicPr>
+          <p:nvPr/>
+        </p:nvPicPr>
+        <p:blipFill>
+          <a:blip r:embed="rId4"/>
+          <a:stretch>
+            <a:fillRect/>
+          </a:stretch>
+        </p:blipFill>
+        <p:spPr>
+          <a:xfrm>
+            <a:off x="102911" y="6981811"/>
+            <a:ext cx="7263019" cy="1639396"/>
+          </a:xfrm>
+          <a:prstGeom prst="rect">
+            <a:avLst/>
+          </a:prstGeom>
+        </p:spPr>
+      </p:pic>
     </p:spTree>
     <p:extLst>
       <p:ext uri="{BB962C8B-B14F-4D97-AF65-F5344CB8AC3E}">
@@ -22911,36 +22549,6 @@
           </a:p>
         </p:txBody>
       </p:sp>
-      <p:pic>
-        <p:nvPicPr>
-          <p:cNvPr id="3" name="그림 2">
-            <a:extLst>
-              <a:ext uri="{FF2B5EF4-FFF2-40B4-BE49-F238E27FC236}">
-                <a16:creationId xmlns:a16="http://schemas.microsoft.com/office/drawing/2014/main" id="{0AD5E8B6-A01F-43E5-9503-CED663BFCB4A}"/>
-              </a:ext>
-            </a:extLst>
-          </p:cNvPr>
-          <p:cNvPicPr>
-            <a:picLocks noChangeAspect="1"/>
-          </p:cNvPicPr>
-          <p:nvPr/>
-        </p:nvPicPr>
-        <p:blipFill>
-          <a:blip r:embed="rId2"/>
-          <a:stretch>
-            <a:fillRect/>
-          </a:stretch>
-        </p:blipFill>
-        <p:spPr>
-          <a:xfrm>
-            <a:off x="97723" y="6595217"/>
-            <a:ext cx="3552825" cy="2324100"/>
-          </a:xfrm>
-          <a:prstGeom prst="rect">
-            <a:avLst/>
-          </a:prstGeom>
-        </p:spPr>
-      </p:pic>
       <p:grpSp>
         <p:nvGrpSpPr>
           <p:cNvPr id="137" name="그룹 136">
@@ -23023,13 +22631,13 @@
             <p:nvPr/>
           </p:nvPicPr>
           <p:blipFill>
-            <a:blip r:embed="rId3">
+            <a:blip r:embed="rId2">
               <a:extLst>
                 <a:ext uri="{28A0092B-C50C-407E-A947-70E740481C1C}">
                   <a14:useLocalDpi xmlns:a14="http://schemas.microsoft.com/office/drawing/2010/main" val="0"/>
                 </a:ext>
                 <a:ext uri="{96DAC541-7B7A-43D3-8B79-37D633B846F1}">
-                  <asvg:svgBlip xmlns:asvg="http://schemas.microsoft.com/office/drawing/2016/SVG/main" r:embed="rId4"/>
+                  <asvg:svgBlip xmlns:asvg="http://schemas.microsoft.com/office/drawing/2016/SVG/main" r:embed="rId3"/>
                 </a:ext>
               </a:extLst>
             </a:blip>
@@ -23130,13 +22738,13 @@
             <p:nvPr/>
           </p:nvPicPr>
           <p:blipFill>
-            <a:blip r:embed="rId3">
+            <a:blip r:embed="rId2">
               <a:extLst>
                 <a:ext uri="{28A0092B-C50C-407E-A947-70E740481C1C}">
                   <a14:useLocalDpi xmlns:a14="http://schemas.microsoft.com/office/drawing/2010/main" val="0"/>
                 </a:ext>
                 <a:ext uri="{96DAC541-7B7A-43D3-8B79-37D633B846F1}">
-                  <asvg:svgBlip xmlns:asvg="http://schemas.microsoft.com/office/drawing/2016/SVG/main" r:embed="rId4"/>
+                  <asvg:svgBlip xmlns:asvg="http://schemas.microsoft.com/office/drawing/2016/SVG/main" r:embed="rId3"/>
                 </a:ext>
               </a:extLst>
             </a:blip>
@@ -23237,13 +22845,13 @@
             <p:nvPr/>
           </p:nvPicPr>
           <p:blipFill>
-            <a:blip r:embed="rId3">
+            <a:blip r:embed="rId2">
               <a:extLst>
                 <a:ext uri="{28A0092B-C50C-407E-A947-70E740481C1C}">
                   <a14:useLocalDpi xmlns:a14="http://schemas.microsoft.com/office/drawing/2010/main" val="0"/>
                 </a:ext>
                 <a:ext uri="{96DAC541-7B7A-43D3-8B79-37D633B846F1}">
-                  <asvg:svgBlip xmlns:asvg="http://schemas.microsoft.com/office/drawing/2016/SVG/main" r:embed="rId4"/>
+                  <asvg:svgBlip xmlns:asvg="http://schemas.microsoft.com/office/drawing/2016/SVG/main" r:embed="rId3"/>
                 </a:ext>
               </a:extLst>
             </a:blip>
@@ -23344,13 +22952,13 @@
             <p:nvPr/>
           </p:nvPicPr>
           <p:blipFill>
-            <a:blip r:embed="rId3">
+            <a:blip r:embed="rId2">
               <a:extLst>
                 <a:ext uri="{28A0092B-C50C-407E-A947-70E740481C1C}">
                   <a14:useLocalDpi xmlns:a14="http://schemas.microsoft.com/office/drawing/2010/main" val="0"/>
                 </a:ext>
                 <a:ext uri="{96DAC541-7B7A-43D3-8B79-37D633B846F1}">
-                  <asvg:svgBlip xmlns:asvg="http://schemas.microsoft.com/office/drawing/2016/SVG/main" r:embed="rId4"/>
+                  <asvg:svgBlip xmlns:asvg="http://schemas.microsoft.com/office/drawing/2016/SVG/main" r:embed="rId3"/>
                 </a:ext>
               </a:extLst>
             </a:blip>
@@ -23451,13 +23059,13 @@
             <p:nvPr/>
           </p:nvPicPr>
           <p:blipFill>
-            <a:blip r:embed="rId3">
+            <a:blip r:embed="rId2">
               <a:extLst>
                 <a:ext uri="{28A0092B-C50C-407E-A947-70E740481C1C}">
                   <a14:useLocalDpi xmlns:a14="http://schemas.microsoft.com/office/drawing/2010/main" val="0"/>
                 </a:ext>
                 <a:ext uri="{96DAC541-7B7A-43D3-8B79-37D633B846F1}">
-                  <asvg:svgBlip xmlns:asvg="http://schemas.microsoft.com/office/drawing/2016/SVG/main" r:embed="rId4"/>
+                  <asvg:svgBlip xmlns:asvg="http://schemas.microsoft.com/office/drawing/2016/SVG/main" r:embed="rId3"/>
                 </a:ext>
               </a:extLst>
             </a:blip>
@@ -24235,6 +23843,64 @@
           </p:txBody>
         </p:sp>
       </p:grpSp>
+      <p:pic>
+        <p:nvPicPr>
+          <p:cNvPr id="5" name="그림 4">
+            <a:extLst>
+              <a:ext uri="{FF2B5EF4-FFF2-40B4-BE49-F238E27FC236}">
+                <a16:creationId xmlns:a16="http://schemas.microsoft.com/office/drawing/2014/main" id="{E84BCD0C-D315-4855-9090-46453D9D43B5}"/>
+              </a:ext>
+            </a:extLst>
+          </p:cNvPr>
+          <p:cNvPicPr>
+            <a:picLocks noChangeAspect="1"/>
+          </p:cNvPicPr>
+          <p:nvPr/>
+        </p:nvPicPr>
+        <p:blipFill rotWithShape="1">
+          <a:blip r:embed="rId4"/>
+          <a:srcRect b="20188"/>
+          <a:stretch/>
+        </p:blipFill>
+        <p:spPr>
+          <a:xfrm>
+            <a:off x="116773" y="6621837"/>
+            <a:ext cx="7067550" cy="2181790"/>
+          </a:xfrm>
+          <a:prstGeom prst="rect">
+            <a:avLst/>
+          </a:prstGeom>
+        </p:spPr>
+      </p:pic>
+      <p:pic>
+        <p:nvPicPr>
+          <p:cNvPr id="6" name="그림 5">
+            <a:extLst>
+              <a:ext uri="{FF2B5EF4-FFF2-40B4-BE49-F238E27FC236}">
+                <a16:creationId xmlns:a16="http://schemas.microsoft.com/office/drawing/2014/main" id="{646F81FE-A970-4963-B71E-25B4BEC910A6}"/>
+              </a:ext>
+            </a:extLst>
+          </p:cNvPr>
+          <p:cNvPicPr>
+            <a:picLocks noChangeAspect="1"/>
+          </p:cNvPicPr>
+          <p:nvPr/>
+        </p:nvPicPr>
+        <p:blipFill rotWithShape="1">
+          <a:blip r:embed="rId4"/>
+          <a:srcRect t="81292" r="41286" b="63"/>
+          <a:stretch/>
+        </p:blipFill>
+        <p:spPr>
+          <a:xfrm>
+            <a:off x="2870945" y="6929817"/>
+            <a:ext cx="4149668" cy="509688"/>
+          </a:xfrm>
+          <a:prstGeom prst="rect">
+            <a:avLst/>
+          </a:prstGeom>
+        </p:spPr>
+      </p:pic>
     </p:spTree>
     <p:extLst>
       <p:ext uri="{BB962C8B-B14F-4D97-AF65-F5344CB8AC3E}">
@@ -24845,134 +24511,6 @@
       </p:sp>
       <p:sp>
         <p:nvSpPr>
-          <p:cNvPr id="80" name="타원 79">
-            <a:extLst>
-              <a:ext uri="{FF2B5EF4-FFF2-40B4-BE49-F238E27FC236}">
-                <a16:creationId xmlns:a16="http://schemas.microsoft.com/office/drawing/2014/main" id="{E5156E38-F26B-4BE9-AF30-2F1B87BC6DE3}"/>
-              </a:ext>
-            </a:extLst>
-          </p:cNvPr>
-          <p:cNvSpPr/>
-          <p:nvPr/>
-        </p:nvSpPr>
-        <p:spPr>
-          <a:xfrm>
-            <a:off x="-1445351" y="1318381"/>
-            <a:ext cx="208268" cy="199441"/>
-          </a:xfrm>
-          <a:prstGeom prst="ellipse">
-            <a:avLst/>
-          </a:prstGeom>
-          <a:noFill/>
-          <a:ln w="19050">
-            <a:solidFill>
-              <a:srgbClr val="C00000"/>
-            </a:solidFill>
-          </a:ln>
-        </p:spPr>
-        <p:style>
-          <a:lnRef idx="2">
-            <a:schemeClr val="accent1">
-              <a:shade val="50000"/>
-            </a:schemeClr>
-          </a:lnRef>
-          <a:fillRef idx="1">
-            <a:schemeClr val="accent1"/>
-          </a:fillRef>
-          <a:effectRef idx="0">
-            <a:schemeClr val="accent1"/>
-          </a:effectRef>
-          <a:fontRef idx="minor">
-            <a:schemeClr val="lt1"/>
-          </a:fontRef>
-        </p:style>
-        <p:txBody>
-          <a:bodyPr rtlCol="0" anchor="ctr"/>
-          <a:lstStyle/>
-          <a:p>
-            <a:pPr algn="ctr"/>
-            <a:r>
-              <a:rPr lang="en-US" altLang="ko-KR" b="1" dirty="0">
-                <a:solidFill>
-                  <a:srgbClr val="C00000"/>
-                </a:solidFill>
-              </a:rPr>
-              <a:t>7</a:t>
-            </a:r>
-            <a:endParaRPr lang="ko-KR" altLang="en-US" b="1" dirty="0">
-              <a:solidFill>
-                <a:srgbClr val="C00000"/>
-              </a:solidFill>
-            </a:endParaRPr>
-          </a:p>
-        </p:txBody>
-      </p:sp>
-      <p:sp>
-        <p:nvSpPr>
-          <p:cNvPr id="82" name="타원 81">
-            <a:extLst>
-              <a:ext uri="{FF2B5EF4-FFF2-40B4-BE49-F238E27FC236}">
-                <a16:creationId xmlns:a16="http://schemas.microsoft.com/office/drawing/2014/main" id="{BA0A2FB2-4D47-4DEE-82F0-8CA90C50C607}"/>
-              </a:ext>
-            </a:extLst>
-          </p:cNvPr>
-          <p:cNvSpPr/>
-          <p:nvPr/>
-        </p:nvSpPr>
-        <p:spPr>
-          <a:xfrm>
-            <a:off x="-1190850" y="1316229"/>
-            <a:ext cx="208268" cy="199441"/>
-          </a:xfrm>
-          <a:prstGeom prst="ellipse">
-            <a:avLst/>
-          </a:prstGeom>
-          <a:noFill/>
-          <a:ln w="19050">
-            <a:solidFill>
-              <a:srgbClr val="C00000"/>
-            </a:solidFill>
-          </a:ln>
-        </p:spPr>
-        <p:style>
-          <a:lnRef idx="2">
-            <a:schemeClr val="accent1">
-              <a:shade val="50000"/>
-            </a:schemeClr>
-          </a:lnRef>
-          <a:fillRef idx="1">
-            <a:schemeClr val="accent1"/>
-          </a:fillRef>
-          <a:effectRef idx="0">
-            <a:schemeClr val="accent1"/>
-          </a:effectRef>
-          <a:fontRef idx="minor">
-            <a:schemeClr val="lt1"/>
-          </a:fontRef>
-        </p:style>
-        <p:txBody>
-          <a:bodyPr rtlCol="0" anchor="ctr"/>
-          <a:lstStyle/>
-          <a:p>
-            <a:pPr algn="ctr"/>
-            <a:r>
-              <a:rPr lang="en-US" altLang="ko-KR" b="1" dirty="0">
-                <a:solidFill>
-                  <a:srgbClr val="C00000"/>
-                </a:solidFill>
-              </a:rPr>
-              <a:t>8</a:t>
-            </a:r>
-            <a:endParaRPr lang="ko-KR" altLang="en-US" b="1" dirty="0">
-              <a:solidFill>
-                <a:srgbClr val="C00000"/>
-              </a:solidFill>
-            </a:endParaRPr>
-          </a:p>
-        </p:txBody>
-      </p:sp>
-      <p:sp>
-        <p:nvSpPr>
           <p:cNvPr id="68" name="TextBox 67">
             <a:extLst>
               <a:ext uri="{FF2B5EF4-FFF2-40B4-BE49-F238E27FC236}">
@@ -25076,36 +24614,6 @@
           </a:p>
         </p:txBody>
       </p:sp>
-      <p:pic>
-        <p:nvPicPr>
-          <p:cNvPr id="2" name="그림 1">
-            <a:extLst>
-              <a:ext uri="{FF2B5EF4-FFF2-40B4-BE49-F238E27FC236}">
-                <a16:creationId xmlns:a16="http://schemas.microsoft.com/office/drawing/2014/main" id="{84D51E69-A76D-40EE-8E4A-D630CA51EC94}"/>
-              </a:ext>
-            </a:extLst>
-          </p:cNvPr>
-          <p:cNvPicPr>
-            <a:picLocks noChangeAspect="1"/>
-          </p:cNvPicPr>
-          <p:nvPr/>
-        </p:nvPicPr>
-        <p:blipFill>
-          <a:blip r:embed="rId4"/>
-          <a:stretch>
-            <a:fillRect/>
-          </a:stretch>
-        </p:blipFill>
-        <p:spPr>
-          <a:xfrm>
-            <a:off x="56830" y="5902783"/>
-            <a:ext cx="6172200" cy="1866900"/>
-          </a:xfrm>
-          <a:prstGeom prst="rect">
-            <a:avLst/>
-          </a:prstGeom>
-        </p:spPr>
-      </p:pic>
       <p:sp>
         <p:nvSpPr>
           <p:cNvPr id="51" name="타원 50">
@@ -25626,6 +25134,36 @@
           </a:p>
         </p:txBody>
       </p:sp>
+      <p:pic>
+        <p:nvPicPr>
+          <p:cNvPr id="3" name="그림 2">
+            <a:extLst>
+              <a:ext uri="{FF2B5EF4-FFF2-40B4-BE49-F238E27FC236}">
+                <a16:creationId xmlns:a16="http://schemas.microsoft.com/office/drawing/2014/main" id="{1B556D3C-4D6B-47D2-9D1B-232FA19A7439}"/>
+              </a:ext>
+            </a:extLst>
+          </p:cNvPr>
+          <p:cNvPicPr>
+            <a:picLocks noChangeAspect="1"/>
+          </p:cNvPicPr>
+          <p:nvPr/>
+        </p:nvPicPr>
+        <p:blipFill>
+          <a:blip r:embed="rId4"/>
+          <a:stretch>
+            <a:fillRect/>
+          </a:stretch>
+        </p:blipFill>
+        <p:spPr>
+          <a:xfrm>
+            <a:off x="130764" y="5957181"/>
+            <a:ext cx="6915150" cy="1114425"/>
+          </a:xfrm>
+          <a:prstGeom prst="rect">
+            <a:avLst/>
+          </a:prstGeom>
+        </p:spPr>
+      </p:pic>
     </p:spTree>
     <p:extLst>
       <p:ext uri="{BB962C8B-B14F-4D97-AF65-F5344CB8AC3E}">
@@ -27837,12 +27375,172 @@
           </a:fontRef>
         </p:style>
       </p:cxnSp>
+      <p:sp>
+        <p:nvSpPr>
+          <p:cNvPr id="51" name="사각형: 둥근 모서리 50">
+            <a:extLst>
+              <a:ext uri="{FF2B5EF4-FFF2-40B4-BE49-F238E27FC236}">
+                <a16:creationId xmlns:a16="http://schemas.microsoft.com/office/drawing/2014/main" id="{C04083C5-A2DC-4BCC-8C62-672A6679E35D}"/>
+              </a:ext>
+            </a:extLst>
+          </p:cNvPr>
+          <p:cNvSpPr/>
+          <p:nvPr/>
+        </p:nvSpPr>
+        <p:spPr>
+          <a:xfrm>
+            <a:off x="114718" y="902703"/>
+            <a:ext cx="1159413" cy="307777"/>
+          </a:xfrm>
+          <a:prstGeom prst="roundRect">
+            <a:avLst/>
+          </a:prstGeom>
+          <a:solidFill>
+            <a:schemeClr val="accent1">
+              <a:lumMod val="60000"/>
+              <a:lumOff val="40000"/>
+            </a:schemeClr>
+          </a:solidFill>
+          <a:ln>
+            <a:noFill/>
+          </a:ln>
+        </p:spPr>
+        <p:style>
+          <a:lnRef idx="2">
+            <a:schemeClr val="accent1">
+              <a:shade val="50000"/>
+            </a:schemeClr>
+          </a:lnRef>
+          <a:fillRef idx="1">
+            <a:schemeClr val="accent1"/>
+          </a:fillRef>
+          <a:effectRef idx="0">
+            <a:schemeClr val="accent1"/>
+          </a:effectRef>
+          <a:fontRef idx="minor">
+            <a:schemeClr val="lt1"/>
+          </a:fontRef>
+        </p:style>
+        <p:txBody>
+          <a:bodyPr rtlCol="0" anchor="ctr"/>
+          <a:lstStyle/>
+          <a:p>
+            <a:pPr algn="ctr"/>
+            <a:endParaRPr lang="ko-KR" altLang="en-US"/>
+          </a:p>
+        </p:txBody>
+      </p:sp>
+      <p:sp>
+        <p:nvSpPr>
+          <p:cNvPr id="60" name="TextBox 59">
+            <a:extLst>
+              <a:ext uri="{FF2B5EF4-FFF2-40B4-BE49-F238E27FC236}">
+                <a16:creationId xmlns:a16="http://schemas.microsoft.com/office/drawing/2014/main" id="{D8C443B1-E4F8-4FE3-83E9-83444EDE8534}"/>
+              </a:ext>
+            </a:extLst>
+          </p:cNvPr>
+          <p:cNvSpPr txBox="1"/>
+          <p:nvPr/>
+        </p:nvSpPr>
+        <p:spPr>
+          <a:xfrm>
+            <a:off x="130764" y="489483"/>
+            <a:ext cx="1159413" cy="2753382"/>
+          </a:xfrm>
+          <a:prstGeom prst="rect">
+            <a:avLst/>
+          </a:prstGeom>
+          <a:noFill/>
+        </p:spPr>
+        <p:txBody>
+          <a:bodyPr wrap="square" rtlCol="0">
+            <a:spAutoFit/>
+          </a:bodyPr>
+          <a:lstStyle/>
+          <a:p>
+            <a:pPr>
+              <a:lnSpc>
+                <a:spcPct val="200000"/>
+              </a:lnSpc>
+            </a:pPr>
+            <a:r>
+              <a:rPr lang="ko-KR" altLang="en-US" sz="1100" b="1" dirty="0"/>
+              <a:t>마이페이지</a:t>
+            </a:r>
+            <a:endParaRPr lang="en-US" altLang="ko-KR" sz="1100" b="1" dirty="0"/>
+          </a:p>
+          <a:p>
+            <a:pPr>
+              <a:lnSpc>
+                <a:spcPct val="200000"/>
+              </a:lnSpc>
+            </a:pPr>
+            <a:r>
+              <a:rPr lang="ko-KR" altLang="en-US" sz="1100" b="1" dirty="0"/>
+              <a:t>계정 관리</a:t>
+            </a:r>
+            <a:endParaRPr lang="en-US" altLang="ko-KR" sz="1100" b="1" dirty="0"/>
+          </a:p>
+          <a:p>
+            <a:pPr>
+              <a:lnSpc>
+                <a:spcPct val="200000"/>
+              </a:lnSpc>
+            </a:pPr>
+            <a:r>
+              <a:rPr lang="ko-KR" altLang="en-US" sz="1100" b="1" dirty="0"/>
+              <a:t>문제 관리</a:t>
+            </a:r>
+            <a:endParaRPr lang="en-US" altLang="ko-KR" sz="1100" b="1" dirty="0"/>
+          </a:p>
+          <a:p>
+            <a:pPr>
+              <a:lnSpc>
+                <a:spcPct val="200000"/>
+              </a:lnSpc>
+            </a:pPr>
+            <a:endParaRPr lang="en-US" altLang="ko-KR" sz="1100" b="1" dirty="0"/>
+          </a:p>
+          <a:p>
+            <a:pPr>
+              <a:lnSpc>
+                <a:spcPct val="200000"/>
+              </a:lnSpc>
+            </a:pPr>
+            <a:endParaRPr lang="en-US" altLang="ko-KR" sz="1100" b="1" dirty="0"/>
+          </a:p>
+          <a:p>
+            <a:pPr>
+              <a:lnSpc>
+                <a:spcPct val="200000"/>
+              </a:lnSpc>
+            </a:pPr>
+            <a:endParaRPr lang="en-US" altLang="ko-KR" sz="1100" b="1" dirty="0"/>
+          </a:p>
+          <a:p>
+            <a:pPr>
+              <a:lnSpc>
+                <a:spcPct val="200000"/>
+              </a:lnSpc>
+            </a:pPr>
+            <a:endParaRPr lang="en-US" altLang="ko-KR" sz="1100" b="1" dirty="0"/>
+          </a:p>
+          <a:p>
+            <a:pPr>
+              <a:lnSpc>
+                <a:spcPct val="200000"/>
+              </a:lnSpc>
+            </a:pPr>
+            <a:endParaRPr lang="ko-KR" altLang="en-US" sz="1100" b="1" dirty="0"/>
+          </a:p>
+        </p:txBody>
+      </p:sp>
       <p:pic>
         <p:nvPicPr>
-          <p:cNvPr id="2" name="그림 1">
-            <a:extLst>
-              <a:ext uri="{FF2B5EF4-FFF2-40B4-BE49-F238E27FC236}">
-                <a16:creationId xmlns:a16="http://schemas.microsoft.com/office/drawing/2014/main" id="{84D51E69-A76D-40EE-8E4A-D630CA51EC94}"/>
+          <p:cNvPr id="3" name="그림 2">
+            <a:extLst>
+              <a:ext uri="{FF2B5EF4-FFF2-40B4-BE49-F238E27FC236}">
+                <a16:creationId xmlns:a16="http://schemas.microsoft.com/office/drawing/2014/main" id="{F8534FDF-EFBD-4908-92CA-7DD571FE8E5B}"/>
               </a:ext>
             </a:extLst>
           </p:cNvPr>
@@ -27859,174 +27557,14 @@
         </p:blipFill>
         <p:spPr>
           <a:xfrm>
-            <a:off x="56830" y="5902783"/>
-            <a:ext cx="6172200" cy="1866900"/>
+            <a:off x="56830" y="5898020"/>
+            <a:ext cx="7077075" cy="1876425"/>
           </a:xfrm>
           <a:prstGeom prst="rect">
             <a:avLst/>
           </a:prstGeom>
         </p:spPr>
       </p:pic>
-      <p:sp>
-        <p:nvSpPr>
-          <p:cNvPr id="51" name="사각형: 둥근 모서리 50">
-            <a:extLst>
-              <a:ext uri="{FF2B5EF4-FFF2-40B4-BE49-F238E27FC236}">
-                <a16:creationId xmlns:a16="http://schemas.microsoft.com/office/drawing/2014/main" id="{C04083C5-A2DC-4BCC-8C62-672A6679E35D}"/>
-              </a:ext>
-            </a:extLst>
-          </p:cNvPr>
-          <p:cNvSpPr/>
-          <p:nvPr/>
-        </p:nvSpPr>
-        <p:spPr>
-          <a:xfrm>
-            <a:off x="114718" y="902703"/>
-            <a:ext cx="1159413" cy="307777"/>
-          </a:xfrm>
-          <a:prstGeom prst="roundRect">
-            <a:avLst/>
-          </a:prstGeom>
-          <a:solidFill>
-            <a:schemeClr val="accent1">
-              <a:lumMod val="60000"/>
-              <a:lumOff val="40000"/>
-            </a:schemeClr>
-          </a:solidFill>
-          <a:ln>
-            <a:noFill/>
-          </a:ln>
-        </p:spPr>
-        <p:style>
-          <a:lnRef idx="2">
-            <a:schemeClr val="accent1">
-              <a:shade val="50000"/>
-            </a:schemeClr>
-          </a:lnRef>
-          <a:fillRef idx="1">
-            <a:schemeClr val="accent1"/>
-          </a:fillRef>
-          <a:effectRef idx="0">
-            <a:schemeClr val="accent1"/>
-          </a:effectRef>
-          <a:fontRef idx="minor">
-            <a:schemeClr val="lt1"/>
-          </a:fontRef>
-        </p:style>
-        <p:txBody>
-          <a:bodyPr rtlCol="0" anchor="ctr"/>
-          <a:lstStyle/>
-          <a:p>
-            <a:pPr algn="ctr"/>
-            <a:endParaRPr lang="ko-KR" altLang="en-US"/>
-          </a:p>
-        </p:txBody>
-      </p:sp>
-      <p:sp>
-        <p:nvSpPr>
-          <p:cNvPr id="60" name="TextBox 59">
-            <a:extLst>
-              <a:ext uri="{FF2B5EF4-FFF2-40B4-BE49-F238E27FC236}">
-                <a16:creationId xmlns:a16="http://schemas.microsoft.com/office/drawing/2014/main" id="{D8C443B1-E4F8-4FE3-83E9-83444EDE8534}"/>
-              </a:ext>
-            </a:extLst>
-          </p:cNvPr>
-          <p:cNvSpPr txBox="1"/>
-          <p:nvPr/>
-        </p:nvSpPr>
-        <p:spPr>
-          <a:xfrm>
-            <a:off x="130764" y="489483"/>
-            <a:ext cx="1159413" cy="2753382"/>
-          </a:xfrm>
-          <a:prstGeom prst="rect">
-            <a:avLst/>
-          </a:prstGeom>
-          <a:noFill/>
-        </p:spPr>
-        <p:txBody>
-          <a:bodyPr wrap="square" rtlCol="0">
-            <a:spAutoFit/>
-          </a:bodyPr>
-          <a:lstStyle/>
-          <a:p>
-            <a:pPr>
-              <a:lnSpc>
-                <a:spcPct val="200000"/>
-              </a:lnSpc>
-            </a:pPr>
-            <a:r>
-              <a:rPr lang="ko-KR" altLang="en-US" sz="1100" b="1" dirty="0"/>
-              <a:t>마이페이지</a:t>
-            </a:r>
-            <a:endParaRPr lang="en-US" altLang="ko-KR" sz="1100" b="1" dirty="0"/>
-          </a:p>
-          <a:p>
-            <a:pPr>
-              <a:lnSpc>
-                <a:spcPct val="200000"/>
-              </a:lnSpc>
-            </a:pPr>
-            <a:r>
-              <a:rPr lang="ko-KR" altLang="en-US" sz="1100" b="1" dirty="0"/>
-              <a:t>계정 관리</a:t>
-            </a:r>
-            <a:endParaRPr lang="en-US" altLang="ko-KR" sz="1100" b="1" dirty="0"/>
-          </a:p>
-          <a:p>
-            <a:pPr>
-              <a:lnSpc>
-                <a:spcPct val="200000"/>
-              </a:lnSpc>
-            </a:pPr>
-            <a:r>
-              <a:rPr lang="ko-KR" altLang="en-US" sz="1100" b="1" dirty="0"/>
-              <a:t>문제 관리</a:t>
-            </a:r>
-            <a:endParaRPr lang="en-US" altLang="ko-KR" sz="1100" b="1" dirty="0"/>
-          </a:p>
-          <a:p>
-            <a:pPr>
-              <a:lnSpc>
-                <a:spcPct val="200000"/>
-              </a:lnSpc>
-            </a:pPr>
-            <a:endParaRPr lang="en-US" altLang="ko-KR" sz="1100" b="1" dirty="0"/>
-          </a:p>
-          <a:p>
-            <a:pPr>
-              <a:lnSpc>
-                <a:spcPct val="200000"/>
-              </a:lnSpc>
-            </a:pPr>
-            <a:endParaRPr lang="en-US" altLang="ko-KR" sz="1100" b="1" dirty="0"/>
-          </a:p>
-          <a:p>
-            <a:pPr>
-              <a:lnSpc>
-                <a:spcPct val="200000"/>
-              </a:lnSpc>
-            </a:pPr>
-            <a:endParaRPr lang="en-US" altLang="ko-KR" sz="1100" b="1" dirty="0"/>
-          </a:p>
-          <a:p>
-            <a:pPr>
-              <a:lnSpc>
-                <a:spcPct val="200000"/>
-              </a:lnSpc>
-            </a:pPr>
-            <a:endParaRPr lang="en-US" altLang="ko-KR" sz="1100" b="1" dirty="0"/>
-          </a:p>
-          <a:p>
-            <a:pPr>
-              <a:lnSpc>
-                <a:spcPct val="200000"/>
-              </a:lnSpc>
-            </a:pPr>
-            <a:endParaRPr lang="ko-KR" altLang="en-US" sz="1100" b="1" dirty="0"/>
-          </a:p>
-        </p:txBody>
-      </p:sp>
     </p:spTree>
     <p:extLst>
       <p:ext uri="{BB962C8B-B14F-4D97-AF65-F5344CB8AC3E}">
@@ -49289,6 +48827,36 @@
           </a:p>
         </p:txBody>
       </p:sp>
+      <p:pic>
+        <p:nvPicPr>
+          <p:cNvPr id="3" name="그림 2">
+            <a:extLst>
+              <a:ext uri="{FF2B5EF4-FFF2-40B4-BE49-F238E27FC236}">
+                <a16:creationId xmlns:a16="http://schemas.microsoft.com/office/drawing/2014/main" id="{1FCF1F85-C007-46A2-A7BA-FD23342DBFF7}"/>
+              </a:ext>
+            </a:extLst>
+          </p:cNvPr>
+          <p:cNvPicPr>
+            <a:picLocks noChangeAspect="1"/>
+          </p:cNvPicPr>
+          <p:nvPr/>
+        </p:nvPicPr>
+        <p:blipFill>
+          <a:blip r:embed="rId3"/>
+          <a:stretch>
+            <a:fillRect/>
+          </a:stretch>
+        </p:blipFill>
+        <p:spPr>
+          <a:xfrm>
+            <a:off x="122046" y="5915935"/>
+            <a:ext cx="6905625" cy="3048000"/>
+          </a:xfrm>
+          <a:prstGeom prst="rect">
+            <a:avLst/>
+          </a:prstGeom>
+        </p:spPr>
+      </p:pic>
     </p:spTree>
     <p:extLst>
       <p:ext uri="{BB962C8B-B14F-4D97-AF65-F5344CB8AC3E}">
@@ -51561,6 +51129,36 @@
           </p:txBody>
         </p:sp>
       </p:grpSp>
+      <p:pic>
+        <p:nvPicPr>
+          <p:cNvPr id="2" name="그림 1">
+            <a:extLst>
+              <a:ext uri="{FF2B5EF4-FFF2-40B4-BE49-F238E27FC236}">
+                <a16:creationId xmlns:a16="http://schemas.microsoft.com/office/drawing/2014/main" id="{DA149E61-BF52-4A71-B9EB-05707A9B48ED}"/>
+              </a:ext>
+            </a:extLst>
+          </p:cNvPr>
+          <p:cNvPicPr>
+            <a:picLocks noChangeAspect="1"/>
+          </p:cNvPicPr>
+          <p:nvPr/>
+        </p:nvPicPr>
+        <p:blipFill>
+          <a:blip r:embed="rId2"/>
+          <a:stretch>
+            <a:fillRect/>
+          </a:stretch>
+        </p:blipFill>
+        <p:spPr>
+          <a:xfrm>
+            <a:off x="28575" y="5906672"/>
+            <a:ext cx="7038975" cy="3009900"/>
+          </a:xfrm>
+          <a:prstGeom prst="rect">
+            <a:avLst/>
+          </a:prstGeom>
+        </p:spPr>
+      </p:pic>
     </p:spTree>
     <p:extLst>
       <p:ext uri="{BB962C8B-B14F-4D97-AF65-F5344CB8AC3E}">
